--- a/Coupon Monster.pptx
+++ b/Coupon Monster.pptx
@@ -21,10 +21,6 @@
     <p:sldId id="266" r:id="rId15"/>
     <p:sldId id="267" r:id="rId16"/>
     <p:sldId id="268" r:id="rId17"/>
-    <p:sldId id="269" r:id="rId18"/>
-    <p:sldId id="270" r:id="rId19"/>
-    <p:sldId id="271" r:id="rId20"/>
-    <p:sldId id="272" r:id="rId21"/>
   </p:sldIdLst>
   <p:sldSz cx="12192000" cy="6858000"/>
   <p:notesSz cx="6858000" cy="9144000"/>
@@ -6568,15 +6564,177 @@
             <p:ph idx="1"/>
           </p:nvPr>
         </p:nvSpPr>
-        <p:spPr/>
+        <p:spPr>
+          <a:xfrm>
+            <a:off x="685800" y="2194560"/>
+            <a:ext cx="2943225" cy="4024125"/>
+          </a:xfrm>
+        </p:spPr>
         <p:txBody>
           <a:bodyPr/>
           <a:lstStyle/>
           <a:p>
-            <a:endParaRPr lang="tr-TR"/>
-          </a:p>
-        </p:txBody>
-      </p:sp>
+            <a:r>
+              <a:rPr lang="tr-TR" dirty="0" err="1"/>
+              <a:t>There</a:t>
+            </a:r>
+            <a:r>
+              <a:rPr lang="tr-TR" dirty="0"/>
+              <a:t> is a </a:t>
+            </a:r>
+            <a:r>
+              <a:rPr lang="tr-TR" dirty="0" err="1"/>
+              <a:t>producer</a:t>
+            </a:r>
+            <a:r>
+              <a:rPr lang="tr-TR" dirty="0"/>
+              <a:t> </a:t>
+            </a:r>
+            <a:r>
+              <a:rPr lang="tr-TR" dirty="0" err="1"/>
+              <a:t>thread</a:t>
+            </a:r>
+            <a:r>
+              <a:rPr lang="tr-TR" dirty="0"/>
+              <a:t> </a:t>
+            </a:r>
+            <a:r>
+              <a:rPr lang="tr-TR" dirty="0" err="1"/>
+              <a:t>that</a:t>
+            </a:r>
+            <a:r>
+              <a:rPr lang="tr-TR" dirty="0"/>
+              <a:t> </a:t>
+            </a:r>
+            <a:r>
+              <a:rPr lang="tr-TR" dirty="0" err="1"/>
+              <a:t>produces</a:t>
+            </a:r>
+            <a:r>
+              <a:rPr lang="tr-TR" dirty="0"/>
+              <a:t> </a:t>
+            </a:r>
+            <a:r>
+              <a:rPr lang="tr-TR" dirty="0" err="1"/>
+              <a:t>random</a:t>
+            </a:r>
+            <a:r>
+              <a:rPr lang="tr-TR" dirty="0"/>
+              <a:t> </a:t>
+            </a:r>
+            <a:r>
+              <a:rPr lang="tr-TR" dirty="0" err="1"/>
+              <a:t>coupons</a:t>
+            </a:r>
+            <a:r>
+              <a:rPr lang="tr-TR" dirty="0"/>
+              <a:t> </a:t>
+            </a:r>
+            <a:r>
+              <a:rPr lang="tr-TR" dirty="0" err="1"/>
+              <a:t>with</a:t>
+            </a:r>
+            <a:r>
+              <a:rPr lang="tr-TR" dirty="0"/>
+              <a:t> </a:t>
+            </a:r>
+            <a:r>
+              <a:rPr lang="tr-TR" dirty="0" err="1"/>
+              <a:t>difficulty</a:t>
+            </a:r>
+            <a:r>
+              <a:rPr lang="tr-TR" dirty="0"/>
+              <a:t> </a:t>
+            </a:r>
+            <a:r>
+              <a:rPr lang="tr-TR" dirty="0" err="1"/>
+              <a:t>range</a:t>
+            </a:r>
+            <a:r>
+              <a:rPr lang="tr-TR" dirty="0"/>
+              <a:t> [1,15] in a </a:t>
+            </a:r>
+            <a:r>
+              <a:rPr lang="tr-TR" dirty="0" err="1"/>
+              <a:t>random</a:t>
+            </a:r>
+            <a:r>
+              <a:rPr lang="tr-TR" dirty="0"/>
+              <a:t> </a:t>
+            </a:r>
+            <a:r>
+              <a:rPr lang="tr-TR" dirty="0" err="1"/>
+              <a:t>number</a:t>
+            </a:r>
+            <a:r>
+              <a:rPr lang="tr-TR" dirty="0"/>
+              <a:t> of </a:t>
+            </a:r>
+            <a:r>
+              <a:rPr lang="tr-TR" dirty="0" err="1"/>
+              <a:t>seconds</a:t>
+            </a:r>
+            <a:r>
+              <a:rPr lang="tr-TR" dirty="0"/>
+              <a:t> </a:t>
+            </a:r>
+            <a:r>
+              <a:rPr lang="tr-TR" dirty="0" err="1"/>
+              <a:t>that</a:t>
+            </a:r>
+            <a:r>
+              <a:rPr lang="tr-TR" dirty="0"/>
+              <a:t> is </a:t>
+            </a:r>
+            <a:r>
+              <a:rPr lang="tr-TR" dirty="0" err="1"/>
+              <a:t>between</a:t>
+            </a:r>
+            <a:r>
+              <a:rPr lang="tr-TR" dirty="0"/>
+              <a:t> [1-15] </a:t>
+            </a:r>
+            <a:r>
+              <a:rPr lang="tr-TR" dirty="0" err="1"/>
+              <a:t>seconds</a:t>
+            </a:r>
+            <a:r>
+              <a:rPr lang="tr-TR" dirty="0"/>
+              <a:t>.</a:t>
+            </a:r>
+          </a:p>
+        </p:txBody>
+      </p:sp>
+      <p:pic>
+        <p:nvPicPr>
+          <p:cNvPr id="5" name="Resim 4" descr="ekran görüntüsü içeren bir resim&#10;&#10;Açıklama otomatik olarak oluşturuldu">
+            <a:extLst>
+              <a:ext uri="{FF2B5EF4-FFF2-40B4-BE49-F238E27FC236}">
+                <a16:creationId xmlns:a16="http://schemas.microsoft.com/office/drawing/2014/main" id="{DBCC5ECD-3954-4451-B65A-D57877D585DC}"/>
+              </a:ext>
+            </a:extLst>
+          </p:cNvPr>
+          <p:cNvPicPr>
+            <a:picLocks noChangeAspect="1"/>
+          </p:cNvPicPr>
+          <p:nvPr/>
+        </p:nvPicPr>
+        <p:blipFill>
+          <a:blip r:embed="rId2"/>
+          <a:stretch>
+            <a:fillRect/>
+          </a:stretch>
+        </p:blipFill>
+        <p:spPr>
+          <a:xfrm>
+            <a:off x="3629025" y="1861842"/>
+            <a:ext cx="8001623" cy="4689560"/>
+          </a:xfrm>
+          <a:prstGeom prst="rect">
+            <a:avLst/>
+          </a:prstGeom>
+        </p:spPr>
+      </p:pic>
     </p:spTree>
     <p:extLst>
       <p:ext uri="{BB962C8B-B14F-4D97-AF65-F5344CB8AC3E}">
@@ -6628,7 +6786,15 @@
           <a:bodyPr/>
           <a:lstStyle/>
           <a:p>
-            <a:endParaRPr lang="tr-TR"/>
+            <a:r>
+              <a:rPr lang="tr-TR" dirty="0"/>
+              <a:t>RANDOM </a:t>
+            </a:r>
+            <a:r>
+              <a:rPr lang="tr-TR" dirty="0" err="1"/>
+              <a:t>Tıme</a:t>
+            </a:r>
+            <a:endParaRPr lang="tr-TR" dirty="0"/>
           </a:p>
         </p:txBody>
       </p:sp>
@@ -6648,12 +6814,164 @@
             <p:ph idx="1"/>
           </p:nvPr>
         </p:nvSpPr>
-        <p:spPr/>
+        <p:spPr>
+          <a:xfrm>
+            <a:off x="685800" y="2194560"/>
+            <a:ext cx="3058427" cy="4024125"/>
+          </a:xfrm>
+        </p:spPr>
         <p:txBody>
           <a:bodyPr/>
           <a:lstStyle/>
           <a:p>
-            <a:endParaRPr lang="tr-TR"/>
+            <a:r>
+              <a:rPr lang="tr-TR" dirty="0" err="1"/>
+              <a:t>Tried</a:t>
+            </a:r>
+            <a:r>
+              <a:rPr lang="tr-TR" dirty="0"/>
+              <a:t> </a:t>
+            </a:r>
+            <a:r>
+              <a:rPr lang="tr-TR" dirty="0" err="1"/>
+              <a:t>to</a:t>
+            </a:r>
+            <a:r>
+              <a:rPr lang="tr-TR" dirty="0"/>
+              <a:t> </a:t>
+            </a:r>
+            <a:r>
+              <a:rPr lang="tr-TR" dirty="0" err="1"/>
+              <a:t>make</a:t>
+            </a:r>
+            <a:r>
+              <a:rPr lang="tr-TR" dirty="0"/>
+              <a:t> </a:t>
+            </a:r>
+            <a:r>
+              <a:rPr lang="tr-TR" dirty="0" err="1"/>
+              <a:t>solving</a:t>
+            </a:r>
+            <a:r>
+              <a:rPr lang="tr-TR" dirty="0"/>
+              <a:t> time </a:t>
+            </a:r>
+            <a:r>
+              <a:rPr lang="tr-TR" dirty="0" err="1"/>
+              <a:t>fair</a:t>
+            </a:r>
+            <a:r>
+              <a:rPr lang="tr-TR" dirty="0"/>
+              <a:t> </a:t>
+            </a:r>
+            <a:r>
+              <a:rPr lang="tr-TR" dirty="0" err="1"/>
+              <a:t>with</a:t>
+            </a:r>
+            <a:r>
+              <a:rPr lang="tr-TR" dirty="0"/>
+              <a:t> </a:t>
+            </a:r>
+            <a:r>
+              <a:rPr lang="tr-TR" dirty="0" err="1"/>
+              <a:t>random</a:t>
+            </a:r>
+            <a:r>
+              <a:rPr lang="tr-TR" dirty="0"/>
+              <a:t> </a:t>
+            </a:r>
+            <a:r>
+              <a:rPr lang="tr-TR" dirty="0" err="1"/>
+              <a:t>problems</a:t>
+            </a:r>
+            <a:r>
+              <a:rPr lang="tr-TR" dirty="0"/>
+              <a:t>.</a:t>
+            </a:r>
+          </a:p>
+          <a:p>
+            <a:r>
+              <a:rPr lang="tr-TR" dirty="0" err="1"/>
+              <a:t>If</a:t>
+            </a:r>
+            <a:r>
+              <a:rPr lang="tr-TR" dirty="0"/>
+              <a:t> </a:t>
+            </a:r>
+            <a:r>
+              <a:rPr lang="tr-TR" dirty="0" err="1"/>
+              <a:t>result</a:t>
+            </a:r>
+            <a:r>
+              <a:rPr lang="tr-TR" dirty="0"/>
+              <a:t> is </a:t>
+            </a:r>
+            <a:r>
+              <a:rPr lang="tr-TR" dirty="0" err="1"/>
+              <a:t>big</a:t>
+            </a:r>
+            <a:r>
+              <a:rPr lang="tr-TR" dirty="0"/>
+              <a:t> </a:t>
+            </a:r>
+            <a:r>
+              <a:rPr lang="tr-TR" dirty="0" err="1"/>
+              <a:t>bonus</a:t>
+            </a:r>
+            <a:r>
+              <a:rPr lang="tr-TR" dirty="0"/>
+              <a:t> time is </a:t>
+            </a:r>
+            <a:r>
+              <a:rPr lang="tr-TR" dirty="0" err="1"/>
+              <a:t>given</a:t>
+            </a:r>
+            <a:r>
+              <a:rPr lang="tr-TR" dirty="0"/>
+              <a:t>.</a:t>
+            </a:r>
+          </a:p>
+          <a:p>
+            <a:r>
+              <a:rPr lang="tr-TR" dirty="0" err="1"/>
+              <a:t>For</a:t>
+            </a:r>
+            <a:r>
+              <a:rPr lang="tr-TR" dirty="0"/>
+              <a:t> </a:t>
+            </a:r>
+            <a:r>
+              <a:rPr lang="tr-TR" dirty="0" err="1"/>
+              <a:t>each</a:t>
+            </a:r>
+            <a:r>
+              <a:rPr lang="tr-TR" dirty="0"/>
+              <a:t> </a:t>
+            </a:r>
+            <a:r>
+              <a:rPr lang="tr-TR" dirty="0" err="1"/>
+              <a:t>multiply</a:t>
+            </a:r>
+            <a:r>
+              <a:rPr lang="tr-TR" dirty="0"/>
+              <a:t>, </a:t>
+            </a:r>
+            <a:r>
+              <a:rPr lang="tr-TR" dirty="0" err="1"/>
+              <a:t>extra</a:t>
+            </a:r>
+            <a:r>
+              <a:rPr lang="tr-TR" dirty="0"/>
+              <a:t> time is </a:t>
+            </a:r>
+            <a:r>
+              <a:rPr lang="tr-TR" dirty="0" err="1"/>
+              <a:t>given</a:t>
+            </a:r>
+            <a:r>
+              <a:rPr lang="tr-TR" dirty="0"/>
+              <a:t>.</a:t>
+            </a:r>
           </a:p>
         </p:txBody>
       </p:sp>
@@ -6708,7 +7026,10 @@
           <a:bodyPr/>
           <a:lstStyle/>
           <a:p>
-            <a:endParaRPr lang="tr-TR"/>
+            <a:r>
+              <a:rPr lang="tr-TR" dirty="0"/>
+              <a:t>DEMO</a:t>
+            </a:r>
           </a:p>
         </p:txBody>
       </p:sp>
@@ -6733,7 +7054,110 @@
           <a:bodyPr/>
           <a:lstStyle/>
           <a:p>
-            <a:endParaRPr lang="tr-TR"/>
+            <a:r>
+              <a:rPr lang="tr-TR" dirty="0" err="1"/>
+              <a:t>You</a:t>
+            </a:r>
+            <a:r>
+              <a:rPr lang="tr-TR" dirty="0"/>
+              <a:t> can </a:t>
+            </a:r>
+            <a:r>
+              <a:rPr lang="tr-TR" dirty="0" err="1"/>
+              <a:t>install</a:t>
+            </a:r>
+            <a:r>
+              <a:rPr lang="tr-TR" dirty="0"/>
+              <a:t> </a:t>
+            </a:r>
+            <a:r>
+              <a:rPr lang="tr-TR" dirty="0" err="1"/>
+              <a:t>application</a:t>
+            </a:r>
+            <a:r>
+              <a:rPr lang="tr-TR" dirty="0"/>
+              <a:t> </a:t>
+            </a:r>
+            <a:r>
+              <a:rPr lang="tr-TR" dirty="0" err="1"/>
+              <a:t>from</a:t>
+            </a:r>
+            <a:r>
+              <a:rPr lang="tr-TR" dirty="0"/>
+              <a:t> </a:t>
+            </a:r>
+            <a:r>
+              <a:rPr lang="tr-TR" dirty="0" err="1"/>
+              <a:t>the</a:t>
+            </a:r>
+            <a:r>
+              <a:rPr lang="tr-TR" dirty="0"/>
+              <a:t> </a:t>
+            </a:r>
+            <a:r>
+              <a:rPr lang="tr-TR" dirty="0" err="1"/>
+              <a:t>apk</a:t>
+            </a:r>
+            <a:r>
+              <a:rPr lang="tr-TR" dirty="0"/>
+              <a:t> link at </a:t>
+            </a:r>
+            <a:r>
+              <a:rPr lang="tr-TR" dirty="0" err="1"/>
+              <a:t>piazza</a:t>
+            </a:r>
+            <a:endParaRPr lang="tr-TR" dirty="0"/>
+          </a:p>
+          <a:p>
+            <a:r>
+              <a:rPr lang="tr-TR" dirty="0" err="1"/>
+              <a:t>Or</a:t>
+            </a:r>
+            <a:r>
+              <a:rPr lang="tr-TR" dirty="0"/>
+              <a:t> </a:t>
+            </a:r>
+            <a:r>
+              <a:rPr lang="tr-TR" dirty="0" err="1"/>
+              <a:t>you</a:t>
+            </a:r>
+            <a:r>
+              <a:rPr lang="tr-TR" dirty="0"/>
+              <a:t> can </a:t>
+            </a:r>
+            <a:r>
+              <a:rPr lang="tr-TR" dirty="0" err="1"/>
+              <a:t>use</a:t>
+            </a:r>
+            <a:r>
+              <a:rPr lang="tr-TR" dirty="0"/>
+              <a:t> </a:t>
+            </a:r>
+            <a:r>
+              <a:rPr lang="tr-TR" dirty="0" err="1"/>
+              <a:t>play</a:t>
+            </a:r>
+            <a:r>
+              <a:rPr lang="tr-TR" dirty="0"/>
+              <a:t> </a:t>
+            </a:r>
+            <a:r>
+              <a:rPr lang="tr-TR" dirty="0" err="1"/>
+              <a:t>store</a:t>
+            </a:r>
+            <a:r>
+              <a:rPr lang="tr-TR" dirty="0"/>
+              <a:t> link:</a:t>
+            </a:r>
+          </a:p>
+          <a:p>
+            <a:r>
+              <a:rPr lang="tr-TR" dirty="0">
+                <a:hlinkClick r:id="rId2"/>
+              </a:rPr>
+              <a:t>https://play.google.com/store/apps/details?id=com.srknzl.couponmonster</a:t>
+            </a:r>
+            <a:endParaRPr lang="tr-TR" dirty="0"/>
           </a:p>
         </p:txBody>
       </p:sp>
@@ -6788,7 +7212,14 @@
           <a:bodyPr/>
           <a:lstStyle/>
           <a:p>
-            <a:endParaRPr lang="tr-TR"/>
+            <a:r>
+              <a:rPr lang="tr-TR" dirty="0" err="1"/>
+              <a:t>Thanks</a:t>
+            </a:r>
+            <a:r>
+              <a:rPr lang="tr-TR" dirty="0"/>
+              <a:t> FOR LISTENING</a:t>
+            </a:r>
           </a:p>
         </p:txBody>
       </p:sp>
@@ -6813,7 +7244,37 @@
           <a:bodyPr/>
           <a:lstStyle/>
           <a:p>
-            <a:endParaRPr lang="tr-TR"/>
+            <a:r>
+              <a:rPr lang="tr-TR" dirty="0" err="1"/>
+              <a:t>Contact</a:t>
+            </a:r>
+            <a:r>
+              <a:rPr lang="tr-TR" dirty="0"/>
+              <a:t>:</a:t>
+            </a:r>
+          </a:p>
+          <a:p>
+            <a:pPr lvl="1"/>
+            <a:r>
+              <a:rPr lang="tr-TR" dirty="0"/>
+              <a:t>Serkan Özel</a:t>
+            </a:r>
+          </a:p>
+          <a:p>
+            <a:pPr lvl="1"/>
+            <a:r>
+              <a:rPr lang="tr-TR" dirty="0">
+                <a:hlinkClick r:id="rId2"/>
+              </a:rPr>
+              <a:t>serkan.ozel@boun.edu.tr</a:t>
+            </a:r>
+            <a:endParaRPr lang="tr-TR" dirty="0"/>
+          </a:p>
+          <a:p>
+            <a:pPr marL="0" indent="0">
+              <a:buNone/>
+            </a:pPr>
+            <a:endParaRPr lang="tr-TR" dirty="0"/>
           </a:p>
         </p:txBody>
       </p:sp>
@@ -6821,246 +7282,6 @@
     <p:extLst>
       <p:ext uri="{BB962C8B-B14F-4D97-AF65-F5344CB8AC3E}">
         <p14:creationId xmlns:p14="http://schemas.microsoft.com/office/powerpoint/2010/main" val="3518228762"/>
-      </p:ext>
-    </p:extLst>
-  </p:cSld>
-  <p:clrMapOvr>
-    <a:masterClrMapping/>
-  </p:clrMapOvr>
-</p:sld>
-</file>
-
-<file path=ppt/slides/slide17.xml><?xml version="1.0" encoding="utf-8"?>
-<p:sld xmlns:a="http://schemas.openxmlformats.org/drawingml/2006/main" xmlns:r="http://schemas.openxmlformats.org/officeDocument/2006/relationships" xmlns:p="http://schemas.openxmlformats.org/presentationml/2006/main">
-  <p:cSld>
-    <p:spTree>
-      <p:nvGrpSpPr>
-        <p:cNvPr id="1" name=""/>
-        <p:cNvGrpSpPr/>
-        <p:nvPr/>
-      </p:nvGrpSpPr>
-      <p:grpSpPr>
-        <a:xfrm>
-          <a:off x="0" y="0"/>
-          <a:ext cx="0" cy="0"/>
-          <a:chOff x="0" y="0"/>
-          <a:chExt cx="0" cy="0"/>
-        </a:xfrm>
-      </p:grpSpPr>
-      <p:sp>
-        <p:nvSpPr>
-          <p:cNvPr id="2" name="Başlık 1">
-            <a:extLst>
-              <a:ext uri="{FF2B5EF4-FFF2-40B4-BE49-F238E27FC236}">
-                <a16:creationId xmlns:a16="http://schemas.microsoft.com/office/drawing/2014/main" id="{5C8F8C7A-6F73-4DBB-90C7-3D10D2815DE7}"/>
-              </a:ext>
-            </a:extLst>
-          </p:cNvPr>
-          <p:cNvSpPr>
-            <a:spLocks noGrp="1"/>
-          </p:cNvSpPr>
-          <p:nvPr>
-            <p:ph type="title"/>
-          </p:nvPr>
-        </p:nvSpPr>
-        <p:spPr/>
-        <p:txBody>
-          <a:bodyPr/>
-          <a:lstStyle/>
-          <a:p>
-            <a:endParaRPr lang="tr-TR"/>
-          </a:p>
-        </p:txBody>
-      </p:sp>
-      <p:sp>
-        <p:nvSpPr>
-          <p:cNvPr id="3" name="İçerik Yer Tutucusu 2">
-            <a:extLst>
-              <a:ext uri="{FF2B5EF4-FFF2-40B4-BE49-F238E27FC236}">
-                <a16:creationId xmlns:a16="http://schemas.microsoft.com/office/drawing/2014/main" id="{B6DF0DCA-C9CA-4811-A07C-D8E31522248C}"/>
-              </a:ext>
-            </a:extLst>
-          </p:cNvPr>
-          <p:cNvSpPr>
-            <a:spLocks noGrp="1"/>
-          </p:cNvSpPr>
-          <p:nvPr>
-            <p:ph idx="1"/>
-          </p:nvPr>
-        </p:nvSpPr>
-        <p:spPr/>
-        <p:txBody>
-          <a:bodyPr/>
-          <a:lstStyle/>
-          <a:p>
-            <a:endParaRPr lang="tr-TR"/>
-          </a:p>
-        </p:txBody>
-      </p:sp>
-    </p:spTree>
-    <p:extLst>
-      <p:ext uri="{BB962C8B-B14F-4D97-AF65-F5344CB8AC3E}">
-        <p14:creationId xmlns:p14="http://schemas.microsoft.com/office/powerpoint/2010/main" val="937629724"/>
-      </p:ext>
-    </p:extLst>
-  </p:cSld>
-  <p:clrMapOvr>
-    <a:masterClrMapping/>
-  </p:clrMapOvr>
-</p:sld>
-</file>
-
-<file path=ppt/slides/slide18.xml><?xml version="1.0" encoding="utf-8"?>
-<p:sld xmlns:a="http://schemas.openxmlformats.org/drawingml/2006/main" xmlns:r="http://schemas.openxmlformats.org/officeDocument/2006/relationships" xmlns:p="http://schemas.openxmlformats.org/presentationml/2006/main">
-  <p:cSld>
-    <p:spTree>
-      <p:nvGrpSpPr>
-        <p:cNvPr id="1" name=""/>
-        <p:cNvGrpSpPr/>
-        <p:nvPr/>
-      </p:nvGrpSpPr>
-      <p:grpSpPr>
-        <a:xfrm>
-          <a:off x="0" y="0"/>
-          <a:ext cx="0" cy="0"/>
-          <a:chOff x="0" y="0"/>
-          <a:chExt cx="0" cy="0"/>
-        </a:xfrm>
-      </p:grpSpPr>
-      <p:sp>
-        <p:nvSpPr>
-          <p:cNvPr id="2" name="Başlık 1">
-            <a:extLst>
-              <a:ext uri="{FF2B5EF4-FFF2-40B4-BE49-F238E27FC236}">
-                <a16:creationId xmlns:a16="http://schemas.microsoft.com/office/drawing/2014/main" id="{06AA07A9-0A61-4F8F-A448-D3BA74C2B341}"/>
-              </a:ext>
-            </a:extLst>
-          </p:cNvPr>
-          <p:cNvSpPr>
-            <a:spLocks noGrp="1"/>
-          </p:cNvSpPr>
-          <p:nvPr>
-            <p:ph type="title"/>
-          </p:nvPr>
-        </p:nvSpPr>
-        <p:spPr/>
-        <p:txBody>
-          <a:bodyPr/>
-          <a:lstStyle/>
-          <a:p>
-            <a:endParaRPr lang="tr-TR"/>
-          </a:p>
-        </p:txBody>
-      </p:sp>
-      <p:sp>
-        <p:nvSpPr>
-          <p:cNvPr id="3" name="İçerik Yer Tutucusu 2">
-            <a:extLst>
-              <a:ext uri="{FF2B5EF4-FFF2-40B4-BE49-F238E27FC236}">
-                <a16:creationId xmlns:a16="http://schemas.microsoft.com/office/drawing/2014/main" id="{210A6448-4725-470E-A70F-CB15E3881E1D}"/>
-              </a:ext>
-            </a:extLst>
-          </p:cNvPr>
-          <p:cNvSpPr>
-            <a:spLocks noGrp="1"/>
-          </p:cNvSpPr>
-          <p:nvPr>
-            <p:ph idx="1"/>
-          </p:nvPr>
-        </p:nvSpPr>
-        <p:spPr/>
-        <p:txBody>
-          <a:bodyPr/>
-          <a:lstStyle/>
-          <a:p>
-            <a:endParaRPr lang="tr-TR"/>
-          </a:p>
-        </p:txBody>
-      </p:sp>
-    </p:spTree>
-    <p:extLst>
-      <p:ext uri="{BB962C8B-B14F-4D97-AF65-F5344CB8AC3E}">
-        <p14:creationId xmlns:p14="http://schemas.microsoft.com/office/powerpoint/2010/main" val="4015238656"/>
-      </p:ext>
-    </p:extLst>
-  </p:cSld>
-  <p:clrMapOvr>
-    <a:masterClrMapping/>
-  </p:clrMapOvr>
-</p:sld>
-</file>
-
-<file path=ppt/slides/slide19.xml><?xml version="1.0" encoding="utf-8"?>
-<p:sld xmlns:a="http://schemas.openxmlformats.org/drawingml/2006/main" xmlns:r="http://schemas.openxmlformats.org/officeDocument/2006/relationships" xmlns:p="http://schemas.openxmlformats.org/presentationml/2006/main">
-  <p:cSld>
-    <p:spTree>
-      <p:nvGrpSpPr>
-        <p:cNvPr id="1" name=""/>
-        <p:cNvGrpSpPr/>
-        <p:nvPr/>
-      </p:nvGrpSpPr>
-      <p:grpSpPr>
-        <a:xfrm>
-          <a:off x="0" y="0"/>
-          <a:ext cx="0" cy="0"/>
-          <a:chOff x="0" y="0"/>
-          <a:chExt cx="0" cy="0"/>
-        </a:xfrm>
-      </p:grpSpPr>
-      <p:sp>
-        <p:nvSpPr>
-          <p:cNvPr id="2" name="Başlık 1">
-            <a:extLst>
-              <a:ext uri="{FF2B5EF4-FFF2-40B4-BE49-F238E27FC236}">
-                <a16:creationId xmlns:a16="http://schemas.microsoft.com/office/drawing/2014/main" id="{5A1CBB65-5524-43B6-A8F1-40ACD710A8D5}"/>
-              </a:ext>
-            </a:extLst>
-          </p:cNvPr>
-          <p:cNvSpPr>
-            <a:spLocks noGrp="1"/>
-          </p:cNvSpPr>
-          <p:nvPr>
-            <p:ph type="title"/>
-          </p:nvPr>
-        </p:nvSpPr>
-        <p:spPr/>
-        <p:txBody>
-          <a:bodyPr/>
-          <a:lstStyle/>
-          <a:p>
-            <a:endParaRPr lang="tr-TR"/>
-          </a:p>
-        </p:txBody>
-      </p:sp>
-      <p:sp>
-        <p:nvSpPr>
-          <p:cNvPr id="3" name="İçerik Yer Tutucusu 2">
-            <a:extLst>
-              <a:ext uri="{FF2B5EF4-FFF2-40B4-BE49-F238E27FC236}">
-                <a16:creationId xmlns:a16="http://schemas.microsoft.com/office/drawing/2014/main" id="{E9B426B3-D539-4471-AE24-146816AC5E19}"/>
-              </a:ext>
-            </a:extLst>
-          </p:cNvPr>
-          <p:cNvSpPr>
-            <a:spLocks noGrp="1"/>
-          </p:cNvSpPr>
-          <p:nvPr>
-            <p:ph idx="1"/>
-          </p:nvPr>
-        </p:nvSpPr>
-        <p:spPr/>
-        <p:txBody>
-          <a:bodyPr/>
-          <a:lstStyle/>
-          <a:p>
-            <a:endParaRPr lang="tr-TR"/>
-          </a:p>
-        </p:txBody>
-      </p:sp>
-    </p:spTree>
-    <p:extLst>
-      <p:ext uri="{BB962C8B-B14F-4D97-AF65-F5344CB8AC3E}">
-        <p14:creationId xmlns:p14="http://schemas.microsoft.com/office/powerpoint/2010/main" val="4132390455"/>
       </p:ext>
     </p:extLst>
   </p:cSld>
@@ -7193,9 +7414,12 @@
               <a:buAutoNum type="arabicPeriod"/>
             </a:pPr>
             <a:r>
-              <a:rPr lang="tr-TR" dirty="0"/>
+              <a:rPr lang="tr-TR" dirty="0">
+                <a:hlinkClick r:id="rId5" action="ppaction://hlinksldjump"/>
+              </a:rPr>
               <a:t>Demo</a:t>
             </a:r>
+            <a:endParaRPr lang="tr-TR" dirty="0"/>
           </a:p>
           <a:p>
             <a:pPr marL="457200" indent="-457200">
@@ -7217,86 +7441,6 @@
     <p:extLst>
       <p:ext uri="{BB962C8B-B14F-4D97-AF65-F5344CB8AC3E}">
         <p14:creationId xmlns:p14="http://schemas.microsoft.com/office/powerpoint/2010/main" val="3983935616"/>
-      </p:ext>
-    </p:extLst>
-  </p:cSld>
-  <p:clrMapOvr>
-    <a:masterClrMapping/>
-  </p:clrMapOvr>
-</p:sld>
-</file>
-
-<file path=ppt/slides/slide20.xml><?xml version="1.0" encoding="utf-8"?>
-<p:sld xmlns:a="http://schemas.openxmlformats.org/drawingml/2006/main" xmlns:r="http://schemas.openxmlformats.org/officeDocument/2006/relationships" xmlns:p="http://schemas.openxmlformats.org/presentationml/2006/main">
-  <p:cSld>
-    <p:spTree>
-      <p:nvGrpSpPr>
-        <p:cNvPr id="1" name=""/>
-        <p:cNvGrpSpPr/>
-        <p:nvPr/>
-      </p:nvGrpSpPr>
-      <p:grpSpPr>
-        <a:xfrm>
-          <a:off x="0" y="0"/>
-          <a:ext cx="0" cy="0"/>
-          <a:chOff x="0" y="0"/>
-          <a:chExt cx="0" cy="0"/>
-        </a:xfrm>
-      </p:grpSpPr>
-      <p:sp>
-        <p:nvSpPr>
-          <p:cNvPr id="2" name="Başlık 1">
-            <a:extLst>
-              <a:ext uri="{FF2B5EF4-FFF2-40B4-BE49-F238E27FC236}">
-                <a16:creationId xmlns:a16="http://schemas.microsoft.com/office/drawing/2014/main" id="{1E9067E8-F414-48B4-8973-2CBA6E62D3CC}"/>
-              </a:ext>
-            </a:extLst>
-          </p:cNvPr>
-          <p:cNvSpPr>
-            <a:spLocks noGrp="1"/>
-          </p:cNvSpPr>
-          <p:nvPr>
-            <p:ph type="title"/>
-          </p:nvPr>
-        </p:nvSpPr>
-        <p:spPr/>
-        <p:txBody>
-          <a:bodyPr/>
-          <a:lstStyle/>
-          <a:p>
-            <a:endParaRPr lang="tr-TR" dirty="0"/>
-          </a:p>
-        </p:txBody>
-      </p:sp>
-      <p:sp>
-        <p:nvSpPr>
-          <p:cNvPr id="3" name="İçerik Yer Tutucusu 2">
-            <a:extLst>
-              <a:ext uri="{FF2B5EF4-FFF2-40B4-BE49-F238E27FC236}">
-                <a16:creationId xmlns:a16="http://schemas.microsoft.com/office/drawing/2014/main" id="{67B18BA5-EF94-4D9C-886C-8F2DC7F3874A}"/>
-              </a:ext>
-            </a:extLst>
-          </p:cNvPr>
-          <p:cNvSpPr>
-            <a:spLocks noGrp="1"/>
-          </p:cNvSpPr>
-          <p:nvPr>
-            <p:ph idx="1"/>
-          </p:nvPr>
-        </p:nvSpPr>
-        <p:spPr/>
-        <p:txBody>
-          <a:bodyPr/>
-          <a:lstStyle/>
-          <a:p>
-            <a:endParaRPr lang="tr-TR"/>
-          </a:p>
-        </p:txBody>
-      </p:sp>
-    </p:spTree>
-    <p:extLst>
-      <p:ext uri="{BB962C8B-B14F-4D97-AF65-F5344CB8AC3E}">
-        <p14:creationId xmlns:p14="http://schemas.microsoft.com/office/powerpoint/2010/main" val="91004812"/>
       </p:ext>
     </p:extLst>
   </p:cSld>

--- a/Coupon Monster.pptx
+++ b/Coupon Monster.pptx
@@ -5818,11 +5818,17 @@
             <p:ph type="title"/>
           </p:nvPr>
         </p:nvSpPr>
-        <p:spPr/>
+        <p:spPr>
+          <a:xfrm>
+            <a:off x="1066800" y="764373"/>
+            <a:ext cx="10439400" cy="1293028"/>
+          </a:xfrm>
+        </p:spPr>
         <p:txBody>
           <a:bodyPr/>
           <a:lstStyle/>
           <a:p>
+            <a:pPr algn="ctr"/>
             <a:r>
               <a:rPr lang="tr-TR" dirty="0"/>
               <a:t>SOURCE CODE- BACKEND</a:t>
@@ -6056,14 +6062,28 @@
             <p:ph type="title"/>
           </p:nvPr>
         </p:nvSpPr>
-        <p:spPr/>
+        <p:spPr>
+          <a:xfrm>
+            <a:off x="809625" y="764373"/>
+            <a:ext cx="10696575" cy="1293028"/>
+          </a:xfrm>
+        </p:spPr>
         <p:txBody>
           <a:bodyPr/>
           <a:lstStyle/>
           <a:p>
-            <a:r>
-              <a:rPr lang="tr-TR" dirty="0"/>
-              <a:t>LOCK</a:t>
+            <a:pPr algn="ctr"/>
+            <a:r>
+              <a:rPr lang="tr-TR" dirty="0"/>
+              <a:t>LOCK As </a:t>
+            </a:r>
+            <a:r>
+              <a:rPr lang="tr-TR" dirty="0" err="1"/>
+              <a:t>BıNARY</a:t>
+            </a:r>
+            <a:r>
+              <a:rPr lang="tr-TR" dirty="0"/>
+              <a:t> SEMAPHORE</a:t>
             </a:r>
           </a:p>
         </p:txBody>
@@ -6122,6 +6142,14 @@
             </a:r>
             <a:r>
               <a:rPr lang="tr-TR" dirty="0" err="1"/>
+              <a:t>associated</a:t>
+            </a:r>
+            <a:r>
+              <a:rPr lang="tr-TR" dirty="0"/>
+              <a:t> </a:t>
+            </a:r>
+            <a:r>
+              <a:rPr lang="tr-TR" dirty="0" err="1"/>
               <a:t>with</a:t>
             </a:r>
             <a:r>
@@ -6365,6 +6393,32 @@
             <a:r>
               <a:rPr lang="tr-TR" dirty="0" err="1"/>
               <a:t>continues</a:t>
+            </a:r>
+            <a:r>
+              <a:rPr lang="tr-TR" dirty="0"/>
+              <a:t>.</a:t>
+            </a:r>
+          </a:p>
+          <a:p>
+            <a:r>
+              <a:rPr lang="tr-TR" dirty="0" err="1"/>
+              <a:t>Initial</a:t>
+            </a:r>
+            <a:r>
+              <a:rPr lang="tr-TR" dirty="0"/>
+              <a:t> </a:t>
+            </a:r>
+            <a:r>
+              <a:rPr lang="tr-TR" dirty="0" err="1"/>
+              <a:t>value</a:t>
+            </a:r>
+            <a:r>
+              <a:rPr lang="tr-TR" dirty="0"/>
+              <a:t> is </a:t>
+            </a:r>
+            <a:r>
+              <a:rPr lang="tr-TR" dirty="0" err="1"/>
+              <a:t>true</a:t>
             </a:r>
             <a:r>
               <a:rPr lang="tr-TR" dirty="0"/>
@@ -6375,10 +6429,10 @@
       </p:sp>
       <p:pic>
         <p:nvPicPr>
-          <p:cNvPr id="6" name="Resim 5">
+          <p:cNvPr id="5" name="Resim 4">
             <a:extLst>
               <a:ext uri="{FF2B5EF4-FFF2-40B4-BE49-F238E27FC236}">
-                <a16:creationId xmlns:a16="http://schemas.microsoft.com/office/drawing/2014/main" id="{029D61C8-7790-4033-AB6A-803464867E8B}"/>
+                <a16:creationId xmlns:a16="http://schemas.microsoft.com/office/drawing/2014/main" id="{FBB12EC9-D4FC-4A96-8627-D4377B751424}"/>
               </a:ext>
             </a:extLst>
           </p:cNvPr>
@@ -6395,8 +6449,8 @@
         </p:blipFill>
         <p:spPr>
           <a:xfrm>
-            <a:off x="1218517" y="1674196"/>
-            <a:ext cx="5413289" cy="4674030"/>
+            <a:off x="0" y="2270616"/>
+            <a:ext cx="7115482" cy="4024125"/>
           </a:xfrm>
           <a:prstGeom prst="rect">
             <a:avLst/>
@@ -6449,11 +6503,17 @@
             <p:ph type="title"/>
           </p:nvPr>
         </p:nvSpPr>
-        <p:spPr/>
+        <p:spPr>
+          <a:xfrm>
+            <a:off x="1171575" y="764373"/>
+            <a:ext cx="10334625" cy="1293028"/>
+          </a:xfrm>
+        </p:spPr>
         <p:txBody>
           <a:bodyPr/>
           <a:lstStyle/>
           <a:p>
+            <a:pPr algn="ctr"/>
             <a:r>
               <a:rPr lang="tr-TR" dirty="0"/>
               <a:t>COUPON REPRESENTATION</a:t>
@@ -6485,7 +6545,7 @@
         </p:blipFill>
         <p:spPr>
           <a:xfrm>
-            <a:off x="1398441" y="2529941"/>
+            <a:off x="4055916" y="2387066"/>
             <a:ext cx="5031233" cy="3358651"/>
           </a:xfrm>
         </p:spPr>
@@ -6900,7 +6960,31 @@
             </a:r>
             <a:r>
               <a:rPr lang="tr-TR" dirty="0" err="1"/>
-              <a:t>result</a:t>
+              <a:t>the</a:t>
+            </a:r>
+            <a:r>
+              <a:rPr lang="tr-TR" dirty="0"/>
+              <a:t> </a:t>
+            </a:r>
+            <a:r>
+              <a:rPr lang="tr-TR" dirty="0" err="1"/>
+              <a:t>result’s</a:t>
+            </a:r>
+            <a:r>
+              <a:rPr lang="tr-TR" dirty="0"/>
+              <a:t>  </a:t>
+            </a:r>
+            <a:r>
+              <a:rPr lang="tr-TR" dirty="0" err="1"/>
+              <a:t>absolute</a:t>
+            </a:r>
+            <a:r>
+              <a:rPr lang="tr-TR" dirty="0"/>
+              <a:t> </a:t>
+            </a:r>
+            <a:r>
+              <a:rPr lang="tr-TR" dirty="0" err="1"/>
+              <a:t>value</a:t>
             </a:r>
             <a:r>
               <a:rPr lang="tr-TR" dirty="0"/>
@@ -6912,7 +6996,7 @@
             </a:r>
             <a:r>
               <a:rPr lang="tr-TR" dirty="0"/>
-              <a:t> </a:t>
+              <a:t>, </a:t>
             </a:r>
             <a:r>
               <a:rPr lang="tr-TR" dirty="0" err="1"/>
@@ -6975,6 +7059,36 @@
           </a:p>
         </p:txBody>
       </p:sp>
+      <p:pic>
+        <p:nvPicPr>
+          <p:cNvPr id="5" name="Resim 4" descr="ekran görüntüsü, telefon, tablo içeren bir resim&#10;&#10;Açıklama otomatik olarak oluşturuldu">
+            <a:extLst>
+              <a:ext uri="{FF2B5EF4-FFF2-40B4-BE49-F238E27FC236}">
+                <a16:creationId xmlns:a16="http://schemas.microsoft.com/office/drawing/2014/main" id="{8FC87946-6C35-44D9-B040-53CF6EB3ECEB}"/>
+              </a:ext>
+            </a:extLst>
+          </p:cNvPr>
+          <p:cNvPicPr>
+            <a:picLocks noChangeAspect="1"/>
+          </p:cNvPicPr>
+          <p:nvPr/>
+        </p:nvPicPr>
+        <p:blipFill>
+          <a:blip r:embed="rId2"/>
+          <a:stretch>
+            <a:fillRect/>
+          </a:stretch>
+        </p:blipFill>
+        <p:spPr>
+          <a:xfrm>
+            <a:off x="3942581" y="2194559"/>
+            <a:ext cx="7922495" cy="4024125"/>
+          </a:xfrm>
+          <a:prstGeom prst="rect">
+            <a:avLst/>
+          </a:prstGeom>
+        </p:spPr>
+      </p:pic>
     </p:spTree>
     <p:extLst>
       <p:ext uri="{BB962C8B-B14F-4D97-AF65-F5344CB8AC3E}">
@@ -7049,7 +7163,12 @@
             <p:ph idx="1"/>
           </p:nvPr>
         </p:nvSpPr>
-        <p:spPr/>
+        <p:spPr>
+          <a:xfrm>
+            <a:off x="685800" y="2194560"/>
+            <a:ext cx="3693160" cy="4024125"/>
+          </a:xfrm>
+        </p:spPr>
         <p:txBody>
           <a:bodyPr/>
           <a:lstStyle/>
@@ -7161,6 +7280,36 @@
           </a:p>
         </p:txBody>
       </p:sp>
+      <p:pic>
+        <p:nvPicPr>
+          <p:cNvPr id="5" name="Resim 4" descr="ekran görüntüsü içeren bir resim&#10;&#10;Açıklama otomatik olarak oluşturuldu">
+            <a:extLst>
+              <a:ext uri="{FF2B5EF4-FFF2-40B4-BE49-F238E27FC236}">
+                <a16:creationId xmlns:a16="http://schemas.microsoft.com/office/drawing/2014/main" id="{7D251F35-6170-41CE-BD5A-9139A7FE7B93}"/>
+              </a:ext>
+            </a:extLst>
+          </p:cNvPr>
+          <p:cNvPicPr>
+            <a:picLocks noChangeAspect="1"/>
+          </p:cNvPicPr>
+          <p:nvPr/>
+        </p:nvPicPr>
+        <p:blipFill>
+          <a:blip r:embed="rId3"/>
+          <a:stretch>
+            <a:fillRect/>
+          </a:stretch>
+        </p:blipFill>
+        <p:spPr>
+          <a:xfrm>
+            <a:off x="6096000" y="2057401"/>
+            <a:ext cx="4979699" cy="4503616"/>
+          </a:xfrm>
+          <a:prstGeom prst="rect">
+            <a:avLst/>
+          </a:prstGeom>
+        </p:spPr>
+      </p:pic>
     </p:spTree>
     <p:extLst>
       <p:ext uri="{BB962C8B-B14F-4D97-AF65-F5344CB8AC3E}">
@@ -7207,11 +7356,17 @@
             <p:ph type="title"/>
           </p:nvPr>
         </p:nvSpPr>
-        <p:spPr/>
+        <p:spPr>
+          <a:xfrm>
+            <a:off x="1290320" y="764373"/>
+            <a:ext cx="10215880" cy="1293028"/>
+          </a:xfrm>
+        </p:spPr>
         <p:txBody>
           <a:bodyPr/>
           <a:lstStyle/>
           <a:p>
+            <a:pPr algn="ctr"/>
             <a:r>
               <a:rPr lang="tr-TR" dirty="0" err="1"/>
               <a:t>Thanks</a:t>
